--- a/共有用フォルダー/E4_そばうどん.pptx
+++ b/共有用フォルダー/E4_そばうどん.pptx
@@ -4061,7 +4061,7 @@
           <a:p>
             <a:r>
               <a:rPr kumimoji="1" lang="ja-JP" altLang="en-US" dirty="0"/>
-              <a:t>「きょうから」の食事記録には、制限や縛りがなく、食事についてざっくりと記録する設定になっています。</a:t>
+              <a:t>食事記録には、制限や縛りがなく、食事についてざっくりと記録する設定になっています。</a:t>
             </a:r>
             <a:endParaRPr kumimoji="1" lang="en-US" altLang="ja-JP" dirty="0"/>
           </a:p>
@@ -15003,6 +15003,18 @@
 <file path=ppt/slides/slide18.xml><?xml version="1.0" encoding="utf-8"?>
 <p:sld xmlns:a="http://schemas.openxmlformats.org/drawingml/2006/main" xmlns:r="http://schemas.openxmlformats.org/officeDocument/2006/relationships" xmlns:p="http://schemas.openxmlformats.org/presentationml/2006/main">
   <p:cSld>
+    <p:bg>
+      <p:bgPr>
+        <a:solidFill>
+          <a:schemeClr val="accent5">
+            <a:lumMod val="40000"/>
+            <a:lumOff val="60000"/>
+            <a:alpha val="16000"/>
+          </a:schemeClr>
+        </a:solidFill>
+        <a:effectLst/>
+      </p:bgPr>
+    </p:bg>
     <p:spTree>
       <p:nvGrpSpPr>
         <p:cNvPr id="1" name=""/>
@@ -15528,10 +15540,10 @@
     <p:bg>
       <p:bgPr>
         <a:solidFill>
-          <a:schemeClr val="accent1">
-            <a:lumMod val="60000"/>
-            <a:lumOff val="40000"/>
-            <a:alpha val="24000"/>
+          <a:schemeClr val="accent5">
+            <a:lumMod val="40000"/>
+            <a:lumOff val="60000"/>
+            <a:alpha val="16000"/>
           </a:schemeClr>
         </a:solidFill>
         <a:effectLst/>
@@ -15605,7 +15617,7 @@
         <p:spPr/>
         <p:txBody>
           <a:bodyPr>
-            <a:normAutofit lnSpcReduction="10000"/>
+            <a:normAutofit fontScale="92500"/>
           </a:bodyPr>
           <a:lstStyle/>
           <a:p>
@@ -15613,12 +15625,12 @@
               <a:buNone/>
             </a:pPr>
             <a:r>
-              <a:rPr kumimoji="1" lang="ja-JP" altLang="en-US" sz="3600" b="1" dirty="0">
+              <a:rPr kumimoji="1" lang="ja-JP" altLang="en-US" sz="3200" b="1" dirty="0">
                 <a:latin typeface="+mn-ea"/>
               </a:rPr>
               <a:t>ランク制度</a:t>
             </a:r>
-            <a:endParaRPr kumimoji="1" lang="en-US" altLang="ja-JP" sz="3600" b="1" dirty="0">
+            <a:endParaRPr kumimoji="1" lang="en-US" altLang="ja-JP" sz="3200" b="1" dirty="0">
               <a:latin typeface="+mn-ea"/>
             </a:endParaRPr>
           </a:p>
@@ -15782,7 +15794,7 @@
                 <a:effectLst/>
                 <a:latin typeface="+mn-ea"/>
               </a:rPr>
-              <a:t>でポイントリセット</a:t>
+              <a:t>でランクリセット</a:t>
             </a:r>
             <a:endParaRPr lang="en-US" altLang="ja-JP" b="0" i="0" u="none" strike="noStrike" dirty="0">
               <a:solidFill>
@@ -15818,42 +15830,66 @@
             <a:pPr marL="0" indent="0">
               <a:buNone/>
             </a:pPr>
-            <a:r>
-              <a:rPr lang="ja-JP" altLang="en-US" b="0" i="0" u="none" strike="noStrike" dirty="0">
+            <a:endParaRPr lang="en-US" altLang="ja-JP" b="1" i="0" u="none" strike="noStrike" dirty="0">
+              <a:solidFill>
+                <a:srgbClr val="000000"/>
+              </a:solidFill>
+              <a:effectLst/>
+              <a:latin typeface="+mn-ea"/>
+            </a:endParaRPr>
+          </a:p>
+          <a:p>
+            <a:pPr marL="0" indent="0">
+              <a:buNone/>
+            </a:pPr>
+            <a:r>
+              <a:rPr lang="ja-JP" altLang="en-US" sz="3000" b="0" i="0" u="none" strike="noStrike" dirty="0">
                 <a:solidFill>
                   <a:srgbClr val="000000"/>
                 </a:solidFill>
                 <a:effectLst/>
+                <a:highlight>
+                  <a:srgbClr val="FFCCCC"/>
+                </a:highlight>
                 <a:latin typeface="+mn-ea"/>
               </a:rPr>
               <a:t>ランクごとに称号を付与する</a:t>
             </a:r>
             <a:r>
-              <a:rPr lang="en-US" altLang="ja-JP" b="0" i="0" u="none" strike="noStrike" dirty="0">
+              <a:rPr lang="en-US" altLang="ja-JP" sz="3000" b="0" i="0" u="none" strike="noStrike" dirty="0">
                 <a:solidFill>
                   <a:srgbClr val="000000"/>
                 </a:solidFill>
                 <a:effectLst/>
+                <a:highlight>
+                  <a:srgbClr val="FFCCCC"/>
+                </a:highlight>
                 <a:latin typeface="+mn-ea"/>
               </a:rPr>
               <a:t>(6</a:t>
             </a:r>
             <a:r>
-              <a:rPr lang="ja-JP" altLang="en-US" b="0" i="0" u="none" strike="noStrike" dirty="0">
+              <a:rPr lang="ja-JP" altLang="en-US" sz="3000" b="0" i="0" u="none" strike="noStrike" dirty="0">
                 <a:solidFill>
                   <a:srgbClr val="000000"/>
                 </a:solidFill>
                 <a:effectLst/>
+                <a:highlight>
+                  <a:srgbClr val="FFCCCC"/>
+                </a:highlight>
                 <a:latin typeface="+mn-ea"/>
               </a:rPr>
               <a:t>段階</a:t>
             </a:r>
             <a:r>
-              <a:rPr lang="en-US" altLang="ja-JP" b="0" i="0" u="none" strike="noStrike" dirty="0">
+              <a:rPr lang="en-US" altLang="ja-JP" sz="3000" b="0" i="0" u="none" strike="noStrike" dirty="0">
                 <a:solidFill>
                   <a:srgbClr val="000000"/>
                 </a:solidFill>
                 <a:effectLst/>
+                <a:highlight>
+                  <a:srgbClr val="FFCCCC"/>
+                </a:highlight>
                 <a:latin typeface="+mn-ea"/>
               </a:rPr>
               <a:t>)</a:t>
@@ -15868,6 +15904,26 @@
               </a:rPr>
             </a:br>
             <a:r>
+              <a:rPr lang="ja-JP" altLang="en-US" strike="noStrike" dirty="0">
+                <a:solidFill>
+                  <a:srgbClr val="000000"/>
+                </a:solidFill>
+                <a:effectLst/>
+                <a:latin typeface="+mn-ea"/>
+              </a:rPr>
+              <a:t>怠惰</a:t>
+            </a:r>
+            <a:r>
+              <a:rPr lang="en-US" altLang="ja-JP" b="0" i="0" u="none" strike="noStrike" dirty="0">
+                <a:solidFill>
+                  <a:srgbClr val="000000"/>
+                </a:solidFill>
+                <a:effectLst/>
+                <a:latin typeface="+mn-ea"/>
+              </a:rPr>
+              <a:t>(0</a:t>
+            </a:r>
+            <a:r>
               <a:rPr lang="ja-JP" altLang="en-US" b="0" i="0" u="none" strike="noStrike" dirty="0">
                 <a:solidFill>
                   <a:srgbClr val="000000"/>
@@ -15875,7 +15931,7 @@
                 <a:effectLst/>
                 <a:latin typeface="+mn-ea"/>
               </a:rPr>
-              <a:t>怠惰</a:t>
+              <a:t>ポイント</a:t>
             </a:r>
             <a:r>
               <a:rPr lang="en-US" altLang="ja-JP" b="0" i="0" u="none" strike="noStrike" dirty="0">
@@ -15885,7 +15941,7 @@
                 <a:effectLst/>
                 <a:latin typeface="+mn-ea"/>
               </a:rPr>
-              <a:t>(0</a:t>
+              <a:t>)</a:t>
             </a:r>
             <a:r>
               <a:rPr lang="ja-JP" altLang="en-US" b="0" i="0" u="none" strike="noStrike" dirty="0">
@@ -15895,7 +15951,17 @@
                 <a:effectLst/>
                 <a:latin typeface="+mn-ea"/>
               </a:rPr>
-              <a:t>ポイント</a:t>
+              <a:t>：</a:t>
+            </a:r>
+            <a:r>
+              <a:rPr lang="ja-JP" altLang="en-US" i="0" u="none" strike="noStrike" dirty="0">
+                <a:solidFill>
+                  <a:srgbClr val="000000"/>
+                </a:solidFill>
+                <a:effectLst/>
+                <a:latin typeface="+mn-ea"/>
+              </a:rPr>
+              <a:t>怠け者</a:t>
             </a:r>
             <a:r>
               <a:rPr lang="en-US" altLang="ja-JP" b="0" i="0" u="none" strike="noStrike" dirty="0">
@@ -15905,7 +15971,7 @@
                 <a:effectLst/>
                 <a:latin typeface="+mn-ea"/>
               </a:rPr>
-              <a:t>)</a:t>
+              <a:t>(4</a:t>
             </a:r>
             <a:r>
               <a:rPr lang="ja-JP" altLang="en-US" b="0" i="0" u="none" strike="noStrike" dirty="0">
@@ -15915,7 +15981,7 @@
                 <a:effectLst/>
                 <a:latin typeface="+mn-ea"/>
               </a:rPr>
-              <a:t>：怠け者</a:t>
+              <a:t>ポイント</a:t>
             </a:r>
             <a:r>
               <a:rPr lang="en-US" altLang="ja-JP" b="0" i="0" u="none" strike="noStrike" dirty="0">
@@ -15925,7 +15991,7 @@
                 <a:effectLst/>
                 <a:latin typeface="+mn-ea"/>
               </a:rPr>
-              <a:t>(4</a:t>
+              <a:t>)</a:t>
             </a:r>
             <a:r>
               <a:rPr lang="ja-JP" altLang="en-US" b="0" i="0" u="none" strike="noStrike" dirty="0">
@@ -15935,27 +16001,17 @@
                 <a:effectLst/>
                 <a:latin typeface="+mn-ea"/>
               </a:rPr>
-              <a:t>ポイント</a:t>
-            </a:r>
-            <a:r>
-              <a:rPr lang="en-US" altLang="ja-JP" b="0" i="0" u="none" strike="noStrike" dirty="0">
+              <a:t>：</a:t>
+            </a:r>
+            <a:r>
+              <a:rPr lang="ja-JP" altLang="en-US" i="0" u="none" strike="noStrike" dirty="0">
                 <a:solidFill>
                   <a:srgbClr val="000000"/>
                 </a:solidFill>
                 <a:effectLst/>
                 <a:latin typeface="+mn-ea"/>
               </a:rPr>
-              <a:t>)</a:t>
-            </a:r>
-            <a:r>
-              <a:rPr lang="ja-JP" altLang="en-US" b="0" i="0" u="none" strike="noStrike" dirty="0">
-                <a:solidFill>
-                  <a:srgbClr val="000000"/>
-                </a:solidFill>
-                <a:effectLst/>
-                <a:latin typeface="+mn-ea"/>
-              </a:rPr>
-              <a:t>：一般人</a:t>
+              <a:t>一般人</a:t>
             </a:r>
             <a:r>
               <a:rPr lang="en-US" altLang="ja-JP" b="0" i="0" u="none" strike="noStrike" dirty="0">
@@ -16009,6 +16065,26 @@
               <a:buNone/>
             </a:pPr>
             <a:r>
+              <a:rPr lang="ja-JP" altLang="en-US" i="0" u="none" strike="noStrike" dirty="0">
+                <a:solidFill>
+                  <a:srgbClr val="000000"/>
+                </a:solidFill>
+                <a:effectLst/>
+                <a:latin typeface="+mn-ea"/>
+              </a:rPr>
+              <a:t>エリート</a:t>
+            </a:r>
+            <a:r>
+              <a:rPr lang="en-US" altLang="ja-JP" b="0" i="0" u="none" strike="noStrike" dirty="0">
+                <a:solidFill>
+                  <a:srgbClr val="000000"/>
+                </a:solidFill>
+                <a:effectLst/>
+                <a:latin typeface="+mn-ea"/>
+              </a:rPr>
+              <a:t>(28</a:t>
+            </a:r>
+            <a:r>
               <a:rPr lang="ja-JP" altLang="en-US" b="0" i="0" u="none" strike="noStrike" dirty="0">
                 <a:solidFill>
                   <a:srgbClr val="000000"/>
@@ -16016,7 +16092,7 @@
                 <a:effectLst/>
                 <a:latin typeface="+mn-ea"/>
               </a:rPr>
-              <a:t>エリート</a:t>
+              <a:t>ポイント</a:t>
             </a:r>
             <a:r>
               <a:rPr lang="en-US" altLang="ja-JP" b="0" i="0" u="none" strike="noStrike" dirty="0">
@@ -16026,7 +16102,36 @@
                 <a:effectLst/>
                 <a:latin typeface="+mn-ea"/>
               </a:rPr>
-              <a:t>(28</a:t>
+              <a:t>)</a:t>
+            </a:r>
+            <a:r>
+              <a:rPr lang="ja-JP" altLang="en-US" dirty="0">
+                <a:solidFill>
+                  <a:srgbClr val="000000"/>
+                </a:solidFill>
+                <a:latin typeface="+mn-ea"/>
+              </a:rPr>
+              <a:t>：</a:t>
+            </a:r>
+            <a:r>
+              <a:rPr lang="ja-JP" altLang="en-US" i="0" u="none" strike="noStrike" dirty="0">
+                <a:solidFill>
+                  <a:srgbClr val="000000"/>
+                </a:solidFill>
+                <a:effectLst/>
+                <a:latin typeface="+mn-ea"/>
+              </a:rPr>
+              <a:t>プロ</a:t>
+            </a:r>
+            <a:r>
+              <a:rPr lang="en-US" altLang="ja-JP" b="0" i="0" u="none" strike="noStrike" dirty="0">
+                <a:solidFill>
+                  <a:srgbClr val="000000"/>
+                </a:solidFill>
+                <a:effectLst/>
+                <a:latin typeface="+mn-ea"/>
+              </a:rPr>
+              <a:t>(56</a:t>
             </a:r>
             <a:r>
               <a:rPr lang="ja-JP" altLang="en-US" b="0" i="0" u="none" strike="noStrike" dirty="0">
@@ -16058,56 +16163,7 @@
               <a:t>：</a:t>
             </a:r>
             <a:r>
-              <a:rPr lang="ja-JP" altLang="en-US" b="0" i="0" u="none" strike="noStrike" dirty="0">
-                <a:solidFill>
-                  <a:srgbClr val="000000"/>
-                </a:solidFill>
-                <a:effectLst/>
-                <a:latin typeface="+mn-ea"/>
-              </a:rPr>
-              <a:t>プロ</a:t>
-            </a:r>
-            <a:r>
-              <a:rPr lang="en-US" altLang="ja-JP" b="0" i="0" u="none" strike="noStrike" dirty="0">
-                <a:solidFill>
-                  <a:srgbClr val="000000"/>
-                </a:solidFill>
-                <a:effectLst/>
-                <a:latin typeface="+mn-ea"/>
-              </a:rPr>
-              <a:t>(56</a:t>
-            </a:r>
-            <a:r>
-              <a:rPr lang="ja-JP" altLang="en-US" b="0" i="0" u="none" strike="noStrike" dirty="0">
-                <a:solidFill>
-                  <a:srgbClr val="000000"/>
-                </a:solidFill>
-                <a:effectLst/>
-                <a:latin typeface="+mn-ea"/>
-              </a:rPr>
-              <a:t>ポイント</a:t>
-            </a:r>
-            <a:r>
-              <a:rPr lang="en-US" altLang="ja-JP" b="0" i="0" u="none" strike="noStrike" dirty="0">
-                <a:solidFill>
-                  <a:srgbClr val="000000"/>
-                </a:solidFill>
-                <a:effectLst/>
-                <a:latin typeface="+mn-ea"/>
-              </a:rPr>
-              <a:t>)</a:t>
-            </a:r>
-            <a:r>
-              <a:rPr lang="ja-JP" altLang="en-US" dirty="0">
-                <a:solidFill>
-                  <a:srgbClr val="000000"/>
-                </a:solidFill>
-                <a:latin typeface="+mn-ea"/>
-              </a:rPr>
-              <a:t>：</a:t>
-            </a:r>
-            <a:r>
-              <a:rPr lang="ja-JP" altLang="en-US" b="0" i="0" u="none" strike="noStrike" dirty="0">
+              <a:rPr lang="ja-JP" altLang="en-US" i="0" u="none" strike="noStrike" dirty="0">
                 <a:solidFill>
                   <a:srgbClr val="000000"/>
                 </a:solidFill>
@@ -16420,10 +16476,10 @@
     <p:bg>
       <p:bgPr>
         <a:solidFill>
-          <a:schemeClr val="accent1">
-            <a:lumMod val="60000"/>
-            <a:lumOff val="40000"/>
-            <a:alpha val="24000"/>
+          <a:schemeClr val="accent5">
+            <a:lumMod val="40000"/>
+            <a:lumOff val="60000"/>
+            <a:alpha val="16000"/>
           </a:schemeClr>
         </a:solidFill>
         <a:effectLst/>
@@ -16668,7 +16724,26 @@
                 <a:effectLst/>
                 <a:latin typeface="+mn-ea"/>
               </a:rPr>
-              <a:t>でポイントリセット</a:t>
+              <a:t>で</a:t>
+            </a:r>
+            <a:r>
+              <a:rPr lang="ja-JP" altLang="en-US" dirty="0">
+                <a:solidFill>
+                  <a:srgbClr val="000000"/>
+                </a:solidFill>
+                <a:latin typeface="+mn-ea"/>
+              </a:rPr>
+              <a:t>ランク</a:t>
+            </a:r>
+            <a:r>
+              <a:rPr lang="ja-JP" altLang="en-US" b="0" i="0" u="none" strike="noStrike" dirty="0">
+                <a:solidFill>
+                  <a:srgbClr val="000000"/>
+                </a:solidFill>
+                <a:effectLst/>
+                <a:latin typeface="+mn-ea"/>
+              </a:rPr>
+              <a:t>リセット</a:t>
             </a:r>
             <a:endParaRPr lang="en-US" altLang="ja-JP" b="0" i="0" u="none" strike="noStrike" dirty="0">
               <a:solidFill>
@@ -17045,7 +17120,7 @@
             </a:r>
             <a:r>
               <a:rPr lang="ja-JP" altLang="en-US" dirty="0"/>
-              <a:t>作業が似ているチームに分かれて作業</a:t>
+              <a:t>作業が似ているチームに分かれて分担</a:t>
             </a:r>
             <a:endParaRPr lang="en-US" altLang="ja-JP" dirty="0"/>
           </a:p>
@@ -17185,7 +17260,7 @@
         </p:nvSpPr>
         <p:spPr>
           <a:xfrm>
-            <a:off x="8509685" y="1305491"/>
+            <a:off x="8794923" y="1305491"/>
             <a:ext cx="3126260" cy="1325563"/>
           </a:xfrm>
           <a:prstGeom prst="borderCallout1">
@@ -17315,7 +17390,7 @@
         </p:nvSpPr>
         <p:spPr>
           <a:xfrm>
-            <a:off x="1716046" y="4504530"/>
+            <a:off x="1833949" y="4504530"/>
             <a:ext cx="3126260" cy="1325563"/>
           </a:xfrm>
           <a:prstGeom prst="borderCallout1">
@@ -20794,7 +20869,7 @@
         </p:nvSpPr>
         <p:spPr>
           <a:xfrm>
-            <a:off x="1117432" y="2090159"/>
+            <a:off x="1073776" y="1809008"/>
             <a:ext cx="9985710" cy="3239984"/>
           </a:xfrm>
           <a:prstGeom prst="flowChartAlternateProcess">
